--- a/major08ppt.pptx
+++ b/major08ppt.pptx
@@ -131,7 +131,7 @@
   </p:defaultTextStyle>
   <p:extLst>
     <p:ext uri="{EFAFB233-063F-42B5-8137-9DF3F51BA10A}">
-      <p15:sldGuideLst xmlns="" xmlns:p15="http://schemas.microsoft.com/office/powerpoint/2012/main">
+      <p15:sldGuideLst xmlns:p15="http://schemas.microsoft.com/office/powerpoint/2012/main" xmlns="">
         <p15:guide id="1" orient="horz" pos="2160">
           <p15:clr>
             <a:srgbClr val="A4A3A4"/>
@@ -3412,7 +3412,7 @@
           <p:cNvPr id="3" name="TextBox 2">
             <a:extLst>
               <a:ext uri="{FF2B5EF4-FFF2-40B4-BE49-F238E27FC236}">
-                <a16:creationId xmlns="" xmlns:a16="http://schemas.microsoft.com/office/drawing/2014/main" id="{ED82E600-ED56-4A8E-F0B9-6863B288D6E9}"/>
+                <a16:creationId xmlns:a16="http://schemas.microsoft.com/office/drawing/2014/main" xmlns="" id="{ED82E600-ED56-4A8E-F0B9-6863B288D6E9}"/>
               </a:ext>
             </a:extLst>
           </p:cNvPr>
@@ -3579,7 +3579,7 @@
           <p:cNvPr id="4" name="TextBox 3">
             <a:extLst>
               <a:ext uri="{FF2B5EF4-FFF2-40B4-BE49-F238E27FC236}">
-                <a16:creationId xmlns="" xmlns:a16="http://schemas.microsoft.com/office/drawing/2014/main" id="{E1F83BA2-053C-A8A7-DEB0-DE4637F7B388}"/>
+                <a16:creationId xmlns:a16="http://schemas.microsoft.com/office/drawing/2014/main" xmlns="" id="{E1F83BA2-053C-A8A7-DEB0-DE4637F7B388}"/>
               </a:ext>
             </a:extLst>
           </p:cNvPr>
@@ -3683,7 +3683,7 @@
           <p:cNvPr id="5" name="TextBox 4">
             <a:extLst>
               <a:ext uri="{FF2B5EF4-FFF2-40B4-BE49-F238E27FC236}">
-                <a16:creationId xmlns="" xmlns:a16="http://schemas.microsoft.com/office/drawing/2014/main" id="{F1BD768B-D830-BBC9-ED54-29DA78BE5DCE}"/>
+                <a16:creationId xmlns:a16="http://schemas.microsoft.com/office/drawing/2014/main" xmlns="" id="{F1BD768B-D830-BBC9-ED54-29DA78BE5DCE}"/>
               </a:ext>
             </a:extLst>
           </p:cNvPr>
@@ -3750,7 +3750,7 @@
           <p:cNvPr id="11" name="Picture 10" descr="CMRGI Logo New2">
             <a:extLst>
               <a:ext uri="{FF2B5EF4-FFF2-40B4-BE49-F238E27FC236}">
-                <a16:creationId xmlns="" xmlns:a16="http://schemas.microsoft.com/office/drawing/2014/main" id="{2D5AECA5-BF31-6618-F629-C2EAAAFDEFC1}"/>
+                <a16:creationId xmlns:a16="http://schemas.microsoft.com/office/drawing/2014/main" xmlns="" id="{2D5AECA5-BF31-6618-F629-C2EAAAFDEFC1}"/>
               </a:ext>
             </a:extLst>
           </p:cNvPr>
@@ -3788,7 +3788,7 @@
           <p:cNvPr id="12" name="Picture 11">
             <a:extLst>
               <a:ext uri="{FF2B5EF4-FFF2-40B4-BE49-F238E27FC236}">
-                <a16:creationId xmlns="" xmlns:a16="http://schemas.microsoft.com/office/drawing/2014/main" id="{6D119C35-54B6-0456-701A-13D5545F591E}"/>
+                <a16:creationId xmlns:a16="http://schemas.microsoft.com/office/drawing/2014/main" xmlns="" id="{6D119C35-54B6-0456-701A-13D5545F591E}"/>
               </a:ext>
             </a:extLst>
           </p:cNvPr>
@@ -3826,7 +3826,7 @@
           <p:cNvPr id="13" name="Rounded Rectangle 4">
             <a:extLst>
               <a:ext uri="{FF2B5EF4-FFF2-40B4-BE49-F238E27FC236}">
-                <a16:creationId xmlns="" xmlns:a16="http://schemas.microsoft.com/office/drawing/2014/main" id="{061DE854-4A3D-6C56-20A0-351376521827}"/>
+                <a16:creationId xmlns:a16="http://schemas.microsoft.com/office/drawing/2014/main" xmlns="" id="{061DE854-4A3D-6C56-20A0-351376521827}"/>
               </a:ext>
             </a:extLst>
           </p:cNvPr>
@@ -3916,7 +3916,7 @@
           <p:cNvPr id="15" name="TextBox 14">
             <a:extLst>
               <a:ext uri="{FF2B5EF4-FFF2-40B4-BE49-F238E27FC236}">
-                <a16:creationId xmlns="" xmlns:a16="http://schemas.microsoft.com/office/drawing/2014/main" id="{30A6F25A-BF90-36CA-4D29-7DF05FAA78ED}"/>
+                <a16:creationId xmlns:a16="http://schemas.microsoft.com/office/drawing/2014/main" xmlns="" id="{30A6F25A-BF90-36CA-4D29-7DF05FAA78ED}"/>
               </a:ext>
             </a:extLst>
           </p:cNvPr>
@@ -4413,7 +4413,14 @@
                 <a:latin typeface="Times New Roman" panose="02020603050405020304" pitchFamily="18" charset="0"/>
                 <a:cs typeface="Times New Roman" panose="02020603050405020304" pitchFamily="18" charset="0"/>
               </a:rPr>
-              <a:t>Use Case Diagram</a:t>
+              <a:t>Use Case </a:t>
+            </a:r>
+            <a:r>
+              <a:rPr lang="en-US" sz="4000" u="sng" dirty="0" smtClean="0">
+                <a:latin typeface="Times New Roman" panose="02020603050405020304" pitchFamily="18" charset="0"/>
+                <a:cs typeface="Times New Roman" panose="02020603050405020304" pitchFamily="18" charset="0"/>
+              </a:rPr>
+              <a:t>Diagram</a:t>
             </a:r>
             <a:endParaRPr lang="en-US" sz="4000" u="sng" dirty="0">
               <a:latin typeface="Times New Roman" panose="02020603050405020304" pitchFamily="18" charset="0"/>
@@ -6193,7 +6200,7 @@
           <p:cNvPr id="2" name="TextBox 1">
             <a:extLst>
               <a:ext uri="{FF2B5EF4-FFF2-40B4-BE49-F238E27FC236}">
-                <a16:creationId xmlns="" xmlns:a16="http://schemas.microsoft.com/office/drawing/2014/main" id="{1FD44183-ED08-F178-BA1A-908A86EC495C}"/>
+                <a16:creationId xmlns:a16="http://schemas.microsoft.com/office/drawing/2014/main" xmlns="" id="{1FD44183-ED08-F178-BA1A-908A86EC495C}"/>
               </a:ext>
             </a:extLst>
           </p:cNvPr>
@@ -6455,7 +6462,7 @@
           <p:cNvPr id="3" name="TextBox 2">
             <a:extLst>
               <a:ext uri="{FF2B5EF4-FFF2-40B4-BE49-F238E27FC236}">
-                <a16:creationId xmlns="" xmlns:a16="http://schemas.microsoft.com/office/drawing/2014/main" id="{A455C62E-EF77-CB51-B5DC-39304F9E604A}"/>
+                <a16:creationId xmlns:a16="http://schemas.microsoft.com/office/drawing/2014/main" xmlns="" id="{A455C62E-EF77-CB51-B5DC-39304F9E604A}"/>
               </a:ext>
             </a:extLst>
           </p:cNvPr>
@@ -6655,7 +6662,7 @@
           <p:cNvPr id="2" name="TextBox 1">
             <a:extLst>
               <a:ext uri="{FF2B5EF4-FFF2-40B4-BE49-F238E27FC236}">
-                <a16:creationId xmlns="" xmlns:a16="http://schemas.microsoft.com/office/drawing/2014/main" id="{36A0E0C0-92CE-5E34-5D39-5F8E69AA6362}"/>
+                <a16:creationId xmlns:a16="http://schemas.microsoft.com/office/drawing/2014/main" xmlns="" id="{36A0E0C0-92CE-5E34-5D39-5F8E69AA6362}"/>
               </a:ext>
             </a:extLst>
           </p:cNvPr>
@@ -6698,7 +6705,7 @@
           <p:cNvPr id="3" name="TextBox 2">
             <a:extLst>
               <a:ext uri="{FF2B5EF4-FFF2-40B4-BE49-F238E27FC236}">
-                <a16:creationId xmlns="" xmlns:a16="http://schemas.microsoft.com/office/drawing/2014/main" id="{A0CEBD53-A601-6B1F-C153-9B3DE55ED0F1}"/>
+                <a16:creationId xmlns:a16="http://schemas.microsoft.com/office/drawing/2014/main" xmlns="" id="{A0CEBD53-A601-6B1F-C153-9B3DE55ED0F1}"/>
               </a:ext>
             </a:extLst>
           </p:cNvPr>
@@ -7462,7 +7469,7 @@
           <p:cNvPr id="2" name="TextBox 1">
             <a:extLst>
               <a:ext uri="{FF2B5EF4-FFF2-40B4-BE49-F238E27FC236}">
-                <a16:creationId xmlns="" xmlns:a16="http://schemas.microsoft.com/office/drawing/2014/main" id="{756320AE-CA14-9A2F-2BE5-947F7944CB44}"/>
+                <a16:creationId xmlns:a16="http://schemas.microsoft.com/office/drawing/2014/main" xmlns="" id="{756320AE-CA14-9A2F-2BE5-947F7944CB44}"/>
               </a:ext>
             </a:extLst>
           </p:cNvPr>
@@ -7550,7 +7557,7 @@
           <p:cNvPr id="2" name="TextBox 1">
             <a:extLst>
               <a:ext uri="{FF2B5EF4-FFF2-40B4-BE49-F238E27FC236}">
-                <a16:creationId xmlns="" xmlns:a16="http://schemas.microsoft.com/office/drawing/2014/main" id="{756320AE-CA14-9A2F-2BE5-947F7944CB44}"/>
+                <a16:creationId xmlns:a16="http://schemas.microsoft.com/office/drawing/2014/main" xmlns="" id="{756320AE-CA14-9A2F-2BE5-947F7944CB44}"/>
               </a:ext>
             </a:extLst>
           </p:cNvPr>
@@ -7593,7 +7600,7 @@
           <p:cNvPr id="3" name="TextBox 2">
             <a:extLst>
               <a:ext uri="{FF2B5EF4-FFF2-40B4-BE49-F238E27FC236}">
-                <a16:creationId xmlns="" xmlns:a16="http://schemas.microsoft.com/office/drawing/2014/main" id="{9037C9F8-5742-462D-74B9-5EE1DC193EFE}"/>
+                <a16:creationId xmlns:a16="http://schemas.microsoft.com/office/drawing/2014/main" xmlns="" id="{9037C9F8-5742-462D-74B9-5EE1DC193EFE}"/>
               </a:ext>
             </a:extLst>
           </p:cNvPr>
@@ -7752,7 +7759,7 @@
           <p:cNvPr id="2" name="TextBox 1">
             <a:extLst>
               <a:ext uri="{FF2B5EF4-FFF2-40B4-BE49-F238E27FC236}">
-                <a16:creationId xmlns="" xmlns:a16="http://schemas.microsoft.com/office/drawing/2014/main" id="{756320AE-CA14-9A2F-2BE5-947F7944CB44}"/>
+                <a16:creationId xmlns:a16="http://schemas.microsoft.com/office/drawing/2014/main" xmlns="" id="{756320AE-CA14-9A2F-2BE5-947F7944CB44}"/>
               </a:ext>
             </a:extLst>
           </p:cNvPr>
@@ -7795,7 +7802,7 @@
           <p:cNvPr id="7" name="TextBox 6">
             <a:extLst>
               <a:ext uri="{FF2B5EF4-FFF2-40B4-BE49-F238E27FC236}">
-                <a16:creationId xmlns="" xmlns:a16="http://schemas.microsoft.com/office/drawing/2014/main" id="{67481FAE-6E17-BADC-2A35-C7454F678E93}"/>
+                <a16:creationId xmlns:a16="http://schemas.microsoft.com/office/drawing/2014/main" xmlns="" id="{67481FAE-6E17-BADC-2A35-C7454F678E93}"/>
               </a:ext>
             </a:extLst>
           </p:cNvPr>
@@ -7991,7 +7998,7 @@
           <p:cNvPr id="2" name="TextBox 1">
             <a:extLst>
               <a:ext uri="{FF2B5EF4-FFF2-40B4-BE49-F238E27FC236}">
-                <a16:creationId xmlns="" xmlns:a16="http://schemas.microsoft.com/office/drawing/2014/main" id="{756320AE-CA14-9A2F-2BE5-947F7944CB44}"/>
+                <a16:creationId xmlns:a16="http://schemas.microsoft.com/office/drawing/2014/main" xmlns="" id="{756320AE-CA14-9A2F-2BE5-947F7944CB44}"/>
               </a:ext>
             </a:extLst>
           </p:cNvPr>
@@ -8034,7 +8041,7 @@
           <p:cNvPr id="4" name="TextBox 3">
             <a:extLst>
               <a:ext uri="{FF2B5EF4-FFF2-40B4-BE49-F238E27FC236}">
-                <a16:creationId xmlns="" xmlns:a16="http://schemas.microsoft.com/office/drawing/2014/main" id="{C67E45A0-3C57-718A-8C40-1C6F3365C19F}"/>
+                <a16:creationId xmlns:a16="http://schemas.microsoft.com/office/drawing/2014/main" xmlns="" id="{C67E45A0-3C57-718A-8C40-1C6F3365C19F}"/>
               </a:ext>
             </a:extLst>
           </p:cNvPr>
@@ -8151,7 +8158,7 @@
           <p:cNvPr id="2" name="TextBox 1">
             <a:extLst>
               <a:ext uri="{FF2B5EF4-FFF2-40B4-BE49-F238E27FC236}">
-                <a16:creationId xmlns="" xmlns:a16="http://schemas.microsoft.com/office/drawing/2014/main" id="{756320AE-CA14-9A2F-2BE5-947F7944CB44}"/>
+                <a16:creationId xmlns:a16="http://schemas.microsoft.com/office/drawing/2014/main" xmlns="" id="{756320AE-CA14-9A2F-2BE5-947F7944CB44}"/>
               </a:ext>
             </a:extLst>
           </p:cNvPr>
@@ -8194,7 +8201,7 @@
           <p:cNvPr id="5" name="TextBox 4">
             <a:extLst>
               <a:ext uri="{FF2B5EF4-FFF2-40B4-BE49-F238E27FC236}">
-                <a16:creationId xmlns="" xmlns:a16="http://schemas.microsoft.com/office/drawing/2014/main" id="{09804797-1C7F-9CCF-8164-1F84B4CCF547}"/>
+                <a16:creationId xmlns:a16="http://schemas.microsoft.com/office/drawing/2014/main" xmlns="" id="{09804797-1C7F-9CCF-8164-1F84B4CCF547}"/>
               </a:ext>
             </a:extLst>
           </p:cNvPr>
@@ -8273,6 +8280,10 @@
               </a:rPr>
               <a:t>project. </a:t>
             </a:r>
+            <a:endParaRPr lang="en-IN" sz="2000" dirty="0" smtClean="0">
+              <a:latin typeface="Times New Roman" panose="02020603050405020304" pitchFamily="18" charset="0"/>
+              <a:cs typeface="Times New Roman" panose="02020603050405020304" pitchFamily="18" charset="0"/>
+            </a:endParaRPr>
           </a:p>
           <a:p>
             <a:pPr marL="342900" indent="-342900" algn="just">
@@ -8440,7 +8451,7 @@
           <p:cNvPr id="2" name="TextBox 1">
             <a:extLst>
               <a:ext uri="{FF2B5EF4-FFF2-40B4-BE49-F238E27FC236}">
-                <a16:creationId xmlns="" xmlns:a16="http://schemas.microsoft.com/office/drawing/2014/main" id="{756320AE-CA14-9A2F-2BE5-947F7944CB44}"/>
+                <a16:creationId xmlns:a16="http://schemas.microsoft.com/office/drawing/2014/main" xmlns="" id="{756320AE-CA14-9A2F-2BE5-947F7944CB44}"/>
               </a:ext>
             </a:extLst>
           </p:cNvPr>
@@ -8483,7 +8494,7 @@
           <p:cNvPr id="4" name="TextBox 3">
             <a:extLst>
               <a:ext uri="{FF2B5EF4-FFF2-40B4-BE49-F238E27FC236}">
-                <a16:creationId xmlns="" xmlns:a16="http://schemas.microsoft.com/office/drawing/2014/main" id="{BD4CECDA-E067-D17D-C8CD-33AD38A684CE}"/>
+                <a16:creationId xmlns:a16="http://schemas.microsoft.com/office/drawing/2014/main" xmlns="" id="{BD4CECDA-E067-D17D-C8CD-33AD38A684CE}"/>
               </a:ext>
             </a:extLst>
           </p:cNvPr>
@@ -8569,7 +8580,21 @@
                 <a:latin typeface="Times New Roman" panose="02020603050405020304" pitchFamily="18" charset="0"/>
                 <a:cs typeface="Times New Roman" panose="02020603050405020304" pitchFamily="18" charset="0"/>
               </a:rPr>
-              <a:t> Less Time consumption</a:t>
+              <a:t> Less </a:t>
+            </a:r>
+            <a:r>
+              <a:rPr lang="en-US" sz="2000" dirty="0" smtClean="0">
+                <a:latin typeface="Times New Roman" panose="02020603050405020304" pitchFamily="18" charset="0"/>
+                <a:cs typeface="Times New Roman" panose="02020603050405020304" pitchFamily="18" charset="0"/>
+              </a:rPr>
+              <a:t>Time </a:t>
+            </a:r>
+            <a:r>
+              <a:rPr lang="en-US" sz="2000" dirty="0" smtClean="0">
+                <a:latin typeface="Times New Roman" panose="02020603050405020304" pitchFamily="18" charset="0"/>
+                <a:cs typeface="Times New Roman" panose="02020603050405020304" pitchFamily="18" charset="0"/>
+              </a:rPr>
+              <a:t>consumption</a:t>
             </a:r>
             <a:endParaRPr lang="en-US" sz="2000" dirty="0">
               <a:latin typeface="Times New Roman" panose="02020603050405020304" pitchFamily="18" charset="0"/>
@@ -8628,7 +8653,7 @@
           <p:cNvPr id="2" name="TextBox 1">
             <a:extLst>
               <a:ext uri="{FF2B5EF4-FFF2-40B4-BE49-F238E27FC236}">
-                <a16:creationId xmlns="" xmlns:a16="http://schemas.microsoft.com/office/drawing/2014/main" id="{756320AE-CA14-9A2F-2BE5-947F7944CB44}"/>
+                <a16:creationId xmlns:a16="http://schemas.microsoft.com/office/drawing/2014/main" xmlns="" id="{756320AE-CA14-9A2F-2BE5-947F7944CB44}"/>
               </a:ext>
             </a:extLst>
           </p:cNvPr>
@@ -8692,7 +8717,7 @@
           <p:cNvPr id="4" name="TextBox 3">
             <a:extLst>
               <a:ext uri="{FF2B5EF4-FFF2-40B4-BE49-F238E27FC236}">
-                <a16:creationId xmlns="" xmlns:a16="http://schemas.microsoft.com/office/drawing/2014/main" id="{BE5F05F4-37AB-FDFA-2329-EEDFF82B32FE}"/>
+                <a16:creationId xmlns:a16="http://schemas.microsoft.com/office/drawing/2014/main" xmlns="" id="{BE5F05F4-37AB-FDFA-2329-EEDFF82B32FE}"/>
               </a:ext>
             </a:extLst>
           </p:cNvPr>
@@ -8915,7 +8940,7 @@
           <p:cNvPr id="6" name="TextBox 5">
             <a:extLst>
               <a:ext uri="{FF2B5EF4-FFF2-40B4-BE49-F238E27FC236}">
-                <a16:creationId xmlns="" xmlns:a16="http://schemas.microsoft.com/office/drawing/2014/main" id="{DC0BABFC-7D7D-BBB1-1241-63B262589B93}"/>
+                <a16:creationId xmlns:a16="http://schemas.microsoft.com/office/drawing/2014/main" xmlns="" id="{DC0BABFC-7D7D-BBB1-1241-63B262589B93}"/>
               </a:ext>
             </a:extLst>
           </p:cNvPr>
